--- a/doc/个人答辩-曾强辉.pptx
+++ b/doc/个人答辩-曾强辉.pptx
@@ -5,10 +5,10 @@
     <p:sldMasterId id="2147483648" r:id="rId1"/>
   </p:sldMasterIdLst>
   <p:notesMasterIdLst>
-    <p:notesMasterId r:id="rId9"/>
+    <p:notesMasterId r:id="rId10"/>
   </p:notesMasterIdLst>
   <p:handoutMasterIdLst>
-    <p:handoutMasterId r:id="rId10"/>
+    <p:handoutMasterId r:id="rId11"/>
   </p:handoutMasterIdLst>
   <p:sldIdLst>
     <p:sldId id="257" r:id="rId3"/>
@@ -17,6 +17,7 @@
     <p:sldId id="260" r:id="rId6"/>
     <p:sldId id="261" r:id="rId7"/>
     <p:sldId id="262" r:id="rId8"/>
+    <p:sldId id="264" r:id="rId9"/>
   </p:sldIdLst>
   <p:sldSz cx="12192000" cy="6858000"/>
   <p:notesSz cx="7103745" cy="10234295"/>
@@ -4963,6 +4964,228 @@
           </a:prstGeom>
         </p:spPr>
       </p:pic>
+    </p:spTree>
+  </p:cSld>
+  <p:clrMapOvr>
+    <a:masterClrMapping/>
+  </p:clrMapOvr>
+</p:sld>
+</file>
+
+<file path=ppt/slides/slide7.xml><?xml version="1.0" encoding="utf-8"?>
+<p:sld xmlns:a="http://schemas.openxmlformats.org/drawingml/2006/main" xmlns:r="http://schemas.openxmlformats.org/officeDocument/2006/relationships" xmlns:p="http://schemas.openxmlformats.org/presentationml/2006/main">
+  <p:cSld>
+    <p:bg>
+      <p:bgPr>
+        <a:gradFill>
+          <a:gsLst>
+            <a:gs pos="0">
+              <a:schemeClr val="accent1">
+                <a:lumMod val="5000"/>
+                <a:lumOff val="95000"/>
+              </a:schemeClr>
+            </a:gs>
+            <a:gs pos="74000">
+              <a:schemeClr val="accent1">
+                <a:lumMod val="45000"/>
+                <a:lumOff val="55000"/>
+              </a:schemeClr>
+            </a:gs>
+            <a:gs pos="83000">
+              <a:schemeClr val="accent1">
+                <a:lumMod val="45000"/>
+                <a:lumOff val="55000"/>
+              </a:schemeClr>
+            </a:gs>
+            <a:gs pos="100000">
+              <a:schemeClr val="accent1">
+                <a:lumMod val="30000"/>
+                <a:lumOff val="70000"/>
+              </a:schemeClr>
+            </a:gs>
+          </a:gsLst>
+          <a:lin ang="5400000" scaled="0"/>
+        </a:gradFill>
+        <a:effectLst/>
+      </p:bgPr>
+    </p:bg>
+    <p:spTree>
+      <p:nvGrpSpPr>
+        <p:cNvPr id="1" name=""/>
+        <p:cNvGrpSpPr/>
+        <p:nvPr/>
+      </p:nvGrpSpPr>
+      <p:grpSpPr/>
+      <p:sp>
+        <p:nvSpPr>
+          <p:cNvPr id="4" name="文本框 3"/>
+          <p:cNvSpPr txBox="1"/>
+          <p:nvPr/>
+        </p:nvSpPr>
+        <p:spPr>
+          <a:xfrm>
+            <a:off x="1210310" y="678180"/>
+            <a:ext cx="1605280" cy="521970"/>
+          </a:xfrm>
+          <a:prstGeom prst="rect">
+            <a:avLst/>
+          </a:prstGeom>
+          <a:noFill/>
+        </p:spPr>
+        <p:txBody>
+          <a:bodyPr wrap="none" rtlCol="0">
+            <a:spAutoFit/>
+          </a:bodyPr>
+          <a:p>
+            <a:r>
+              <a:rPr lang="zh-CN" altLang="en-US" sz="2800"/>
+              <a:t>个人心得</a:t>
+            </a:r>
+            <a:endParaRPr lang="zh-CN" altLang="en-US" sz="2800"/>
+          </a:p>
+        </p:txBody>
+      </p:sp>
+      <p:sp>
+        <p:nvSpPr>
+          <p:cNvPr id="5" name="文本框 4"/>
+          <p:cNvSpPr txBox="1"/>
+          <p:nvPr/>
+        </p:nvSpPr>
+        <p:spPr>
+          <a:xfrm>
+            <a:off x="848995" y="1576705"/>
+            <a:ext cx="11409680" cy="2444115"/>
+          </a:xfrm>
+          <a:prstGeom prst="rect">
+            <a:avLst/>
+          </a:prstGeom>
+          <a:noFill/>
+        </p:spPr>
+        <p:txBody>
+          <a:bodyPr wrap="square" rtlCol="0">
+            <a:spAutoFit/>
+          </a:bodyPr>
+          <a:p>
+            <a:pPr marL="0" indent="0" algn="l">
+              <a:lnSpc>
+                <a:spcPct val="170000"/>
+              </a:lnSpc>
+              <a:buNone/>
+            </a:pPr>
+            <a:r>
+              <a:rPr lang="zh-CN" altLang="en-US">
+                <a:sym typeface="+mn-ea"/>
+              </a:rPr>
+              <a:t>在这次开发过程中：</a:t>
+            </a:r>
+            <a:endParaRPr lang="zh-CN" altLang="en-US"/>
+          </a:p>
+          <a:p>
+            <a:pPr marL="0" indent="0" algn="l">
+              <a:lnSpc>
+                <a:spcPct val="170000"/>
+              </a:lnSpc>
+              <a:buNone/>
+            </a:pPr>
+            <a:r>
+              <a:rPr lang="en-US" altLang="zh-CN">
+                <a:sym typeface="+mn-ea"/>
+              </a:rPr>
+              <a:t>	1.</a:t>
+            </a:r>
+            <a:r>
+              <a:rPr lang="zh-CN" altLang="en-US">
+                <a:sym typeface="+mn-ea"/>
+              </a:rPr>
+              <a:t>学会利用</a:t>
+            </a:r>
+            <a:r>
+              <a:rPr lang="en-US" altLang="zh-CN">
+                <a:sym typeface="+mn-ea"/>
+              </a:rPr>
+              <a:t>git </a:t>
+            </a:r>
+            <a:r>
+              <a:rPr lang="zh-CN" altLang="en-US">
+                <a:sym typeface="+mn-ea"/>
+              </a:rPr>
+              <a:t>进行多人开发，版本控制</a:t>
+            </a:r>
+            <a:endParaRPr lang="zh-CN" altLang="en-US"/>
+          </a:p>
+          <a:p>
+            <a:pPr marL="0" indent="0" algn="l">
+              <a:lnSpc>
+                <a:spcPct val="170000"/>
+              </a:lnSpc>
+              <a:buNone/>
+            </a:pPr>
+            <a:r>
+              <a:rPr lang="en-US" altLang="zh-CN">
+                <a:sym typeface="+mn-ea"/>
+              </a:rPr>
+              <a:t>	2. </a:t>
+            </a:r>
+            <a:r>
+              <a:rPr lang="zh-CN" altLang="en-US">
+                <a:sym typeface="+mn-ea"/>
+              </a:rPr>
+              <a:t>利用</a:t>
+            </a:r>
+            <a:r>
+              <a:rPr lang="en-US" altLang="zh-CN">
+                <a:sym typeface="+mn-ea"/>
+              </a:rPr>
+              <a:t>socket</a:t>
+            </a:r>
+            <a:r>
+              <a:rPr lang="zh-CN" altLang="en-US">
+                <a:sym typeface="+mn-ea"/>
+              </a:rPr>
+              <a:t>的进行网络编程</a:t>
+            </a:r>
+            <a:endParaRPr lang="zh-CN" altLang="en-US"/>
+          </a:p>
+          <a:p>
+            <a:pPr marL="0" indent="0" algn="l">
+              <a:lnSpc>
+                <a:spcPct val="170000"/>
+              </a:lnSpc>
+              <a:buNone/>
+            </a:pPr>
+            <a:r>
+              <a:rPr lang="en-US" altLang="zh-CN">
+                <a:sym typeface="+mn-ea"/>
+              </a:rPr>
+              <a:t>	3. </a:t>
+            </a:r>
+            <a:r>
+              <a:rPr lang="zh-CN" altLang="en-US">
+                <a:sym typeface="+mn-ea"/>
+              </a:rPr>
+              <a:t>虽然只进行了客户端的工作，但在学习套接字时，也学习了服务器的网络部分</a:t>
+            </a:r>
+            <a:endParaRPr lang="zh-CN" altLang="en-US">
+              <a:sym typeface="+mn-ea"/>
+            </a:endParaRPr>
+          </a:p>
+          <a:p>
+            <a:pPr marL="0" indent="0" algn="l">
+              <a:lnSpc>
+                <a:spcPct val="170000"/>
+              </a:lnSpc>
+              <a:buNone/>
+            </a:pPr>
+            <a:r>
+              <a:rPr lang="en-US" altLang="zh-CN">
+                <a:sym typeface="+mn-ea"/>
+              </a:rPr>
+              <a:t>	</a:t>
+            </a:r>
+            <a:endParaRPr lang="zh-CN" altLang="en-US"/>
+          </a:p>
+        </p:txBody>
+      </p:sp>
     </p:spTree>
   </p:cSld>
   <p:clrMapOvr>
